--- a/Quadtrees – Hierarchical Grids.pptx
+++ b/Quadtrees – Hierarchical Grids.pptx
@@ -5,7 +5,7 @@
     <p:sldMasterId id="2147483648" r:id="rId1"/>
   </p:sldMasterIdLst>
   <p:notesMasterIdLst>
-    <p:notesMasterId r:id="rId10"/>
+    <p:notesMasterId r:id="rId12"/>
   </p:notesMasterIdLst>
   <p:sldIdLst>
     <p:sldId id="256" r:id="rId2"/>
@@ -16,6 +16,8 @@
     <p:sldId id="263" r:id="rId7"/>
     <p:sldId id="265" r:id="rId8"/>
     <p:sldId id="266" r:id="rId9"/>
+    <p:sldId id="267" r:id="rId10"/>
+    <p:sldId id="268" r:id="rId11"/>
   </p:sldIdLst>
   <p:sldSz cx="12192000" cy="6858000"/>
   <p:notesSz cx="6858000" cy="9144000"/>
@@ -122,6 +124,38 @@
 </p:presentation>
 </file>
 
+<file path=ppt/authors.xml><?xml version="1.0" encoding="utf-8"?>
+<p188:authorLst xmlns:a="http://schemas.openxmlformats.org/drawingml/2006/main" xmlns:r="http://schemas.openxmlformats.org/officeDocument/2006/relationships" xmlns:p188="http://schemas.microsoft.com/office/powerpoint/2018/8/main">
+  <p188:author id="{A448AD09-B512-C5C1-3321-088C5E8E818C}" name="Matan Kronfeld" initials="MK" userId="S::matan.kronfeld@live.biu.ac.il::e5f1689f-2a57-4563-adb7-8e192c332efc" providerId="AD"/>
+</p188:authorLst>
+</file>
+
+<file path=ppt/comments/modernComment_10A_FB52EAEC.xml><?xml version="1.0" encoding="utf-8"?>
+<p188:cmLst xmlns:a="http://schemas.openxmlformats.org/drawingml/2006/main" xmlns:r="http://schemas.openxmlformats.org/officeDocument/2006/relationships" xmlns:p188="http://schemas.microsoft.com/office/powerpoint/2018/8/main">
+  <p188:cm id="{CDEF2210-475B-4650-84AF-66EF7225014E}" authorId="{A448AD09-B512-C5C1-3321-088C5E8E818C}" created="2025-11-30T19:14:09.102">
+    <ac:txMkLst xmlns:ac="http://schemas.microsoft.com/office/drawing/2013/main/command">
+      <pc:docMk xmlns:pc="http://schemas.microsoft.com/office/powerpoint/2013/main/command"/>
+      <pc:sldMk xmlns:pc="http://schemas.microsoft.com/office/powerpoint/2013/main/command" cId="4216515308" sldId="266"/>
+      <ac:spMk id="3" creationId="{65F955A5-E90B-E9E8-0903-187157108709}"/>
+      <ac:txMk cp="233">
+        <ac:context len="906" hash="2906664930"/>
+      </ac:txMk>
+    </ac:txMkLst>
+    <p188:pos x="6108700" y="497898"/>
+    <p188:txBody>
+      <a:bodyPr/>
+      <a:lstStyle/>
+      <a:p>
+        <a:r>
+          <a:rPr lang="LID4096"/>
+          <a:t>(i.e., it might correspond to a node in a quadtree).</a:t>
+        </a:r>
+      </a:p>
+    </p188:txBody>
+  </p188:cm>
+</p188:cmLst>
+</file>
+
 <file path=ppt/notesMasters/notesMaster1.xml><?xml version="1.0" encoding="utf-8"?>
 <p:notesMaster xmlns:a="http://schemas.openxmlformats.org/drawingml/2006/main" xmlns:r="http://schemas.openxmlformats.org/officeDocument/2006/relationships" xmlns:p="http://schemas.openxmlformats.org/presentationml/2006/main">
   <p:cSld>
@@ -204,7 +238,7 @@
           <a:p>
             <a:fld id="{19AF9AF6-90D7-4283-A731-B3DEA2358136}" type="datetimeFigureOut">
               <a:rPr lang="LID4096" smtClean="0"/>
-              <a:t>11/30/2025</a:t>
+              <a:t>12/01/2025</a:t>
             </a:fld>
             <a:endParaRPr lang="LID4096"/>
           </a:p>
@@ -500,6 +534,13 @@
           </p:nvPr>
         </p:nvSpPr>
         <p:spPr/>
+        <p:txBody>
+          <a:bodyPr/>
+          <a:lstStyle/>
+          <a:p>
+            <a:endParaRPr lang="LID4096"/>
+          </a:p>
+        </p:txBody>
       </p:sp>
       <p:sp>
         <p:nvSpPr>
@@ -547,6 +588,97 @@
     <p:extLst>
       <p:ext uri="{BB962C8B-B14F-4D97-AF65-F5344CB8AC3E}">
         <p14:creationId xmlns:p14="http://schemas.microsoft.com/office/powerpoint/2010/main" val="2069108626"/>
+      </p:ext>
+    </p:extLst>
+  </p:cSld>
+  <p:clrMapOvr>
+    <a:masterClrMapping/>
+  </p:clrMapOvr>
+</p:notes>
+</file>
+
+<file path=ppt/notesSlides/notesSlide2.xml><?xml version="1.0" encoding="utf-8"?>
+<p:notes xmlns:a="http://schemas.openxmlformats.org/drawingml/2006/main" xmlns:r="http://schemas.openxmlformats.org/officeDocument/2006/relationships" xmlns:p="http://schemas.openxmlformats.org/presentationml/2006/main">
+  <p:cSld>
+    <p:spTree>
+      <p:nvGrpSpPr>
+        <p:cNvPr id="1" name=""/>
+        <p:cNvGrpSpPr/>
+        <p:nvPr/>
+      </p:nvGrpSpPr>
+      <p:grpSpPr>
+        <a:xfrm>
+          <a:off x="0" y="0"/>
+          <a:ext cx="0" cy="0"/>
+          <a:chOff x="0" y="0"/>
+          <a:chExt cx="0" cy="0"/>
+        </a:xfrm>
+      </p:grpSpPr>
+      <p:sp>
+        <p:nvSpPr>
+          <p:cNvPr id="2" name="Slide Image Placeholder 1"/>
+          <p:cNvSpPr>
+            <a:spLocks noGrp="1" noRot="1" noChangeAspect="1"/>
+          </p:cNvSpPr>
+          <p:nvPr>
+            <p:ph type="sldImg"/>
+          </p:nvPr>
+        </p:nvSpPr>
+        <p:spPr/>
+        <p:txBody>
+          <a:bodyPr/>
+          <a:lstStyle/>
+          <a:p>
+            <a:endParaRPr lang="LID4096"/>
+          </a:p>
+        </p:txBody>
+      </p:sp>
+      <p:sp>
+        <p:nvSpPr>
+          <p:cNvPr id="3" name="Notes Placeholder 2"/>
+          <p:cNvSpPr>
+            <a:spLocks noGrp="1"/>
+          </p:cNvSpPr>
+          <p:nvPr>
+            <p:ph type="body" idx="1"/>
+          </p:nvPr>
+        </p:nvSpPr>
+        <p:spPr/>
+        <p:txBody>
+          <a:bodyPr/>
+          <a:lstStyle/>
+          <a:p>
+            <a:endParaRPr lang="LID4096" dirty="0"/>
+          </a:p>
+        </p:txBody>
+      </p:sp>
+      <p:sp>
+        <p:nvSpPr>
+          <p:cNvPr id="4" name="Slide Number Placeholder 3"/>
+          <p:cNvSpPr>
+            <a:spLocks noGrp="1"/>
+          </p:cNvSpPr>
+          <p:nvPr>
+            <p:ph type="sldNum" sz="quarter" idx="5"/>
+          </p:nvPr>
+        </p:nvSpPr>
+        <p:spPr/>
+        <p:txBody>
+          <a:bodyPr/>
+          <a:lstStyle/>
+          <a:p>
+            <a:fld id="{DA573570-0987-4141-BF99-318FC70FB86E}" type="slidenum">
+              <a:rPr lang="LID4096" smtClean="0"/>
+              <a:t>10</a:t>
+            </a:fld>
+            <a:endParaRPr lang="LID4096"/>
+          </a:p>
+        </p:txBody>
+      </p:sp>
+    </p:spTree>
+    <p:extLst>
+      <p:ext uri="{BB962C8B-B14F-4D97-AF65-F5344CB8AC3E}">
+        <p14:creationId xmlns:p14="http://schemas.microsoft.com/office/powerpoint/2010/main" val="1064961793"/>
       </p:ext>
     </p:extLst>
   </p:cSld>
@@ -705,7 +837,7 @@
           <a:p>
             <a:fld id="{7D857813-4F54-43A3-96DC-1E841B6AD695}" type="datetimeFigureOut">
               <a:rPr lang="LID4096" smtClean="0"/>
-              <a:t>11/30/2025</a:t>
+              <a:t>12/01/2025</a:t>
             </a:fld>
             <a:endParaRPr lang="LID4096"/>
           </a:p>
@@ -905,7 +1037,7 @@
           <a:p>
             <a:fld id="{7D857813-4F54-43A3-96DC-1E841B6AD695}" type="datetimeFigureOut">
               <a:rPr lang="LID4096" smtClean="0"/>
-              <a:t>11/30/2025</a:t>
+              <a:t>12/01/2025</a:t>
             </a:fld>
             <a:endParaRPr lang="LID4096"/>
           </a:p>
@@ -1115,7 +1247,7 @@
           <a:p>
             <a:fld id="{7D857813-4F54-43A3-96DC-1E841B6AD695}" type="datetimeFigureOut">
               <a:rPr lang="LID4096" smtClean="0"/>
-              <a:t>11/30/2025</a:t>
+              <a:t>12/01/2025</a:t>
             </a:fld>
             <a:endParaRPr lang="LID4096"/>
           </a:p>
@@ -1315,7 +1447,7 @@
           <a:p>
             <a:fld id="{7D857813-4F54-43A3-96DC-1E841B6AD695}" type="datetimeFigureOut">
               <a:rPr lang="LID4096" smtClean="0"/>
-              <a:t>11/30/2025</a:t>
+              <a:t>12/01/2025</a:t>
             </a:fld>
             <a:endParaRPr lang="LID4096"/>
           </a:p>
@@ -1591,7 +1723,7 @@
           <a:p>
             <a:fld id="{7D857813-4F54-43A3-96DC-1E841B6AD695}" type="datetimeFigureOut">
               <a:rPr lang="LID4096" smtClean="0"/>
-              <a:t>11/30/2025</a:t>
+              <a:t>12/01/2025</a:t>
             </a:fld>
             <a:endParaRPr lang="LID4096"/>
           </a:p>
@@ -1859,7 +1991,7 @@
           <a:p>
             <a:fld id="{7D857813-4F54-43A3-96DC-1E841B6AD695}" type="datetimeFigureOut">
               <a:rPr lang="LID4096" smtClean="0"/>
-              <a:t>11/30/2025</a:t>
+              <a:t>12/01/2025</a:t>
             </a:fld>
             <a:endParaRPr lang="LID4096"/>
           </a:p>
@@ -2274,7 +2406,7 @@
           <a:p>
             <a:fld id="{7D857813-4F54-43A3-96DC-1E841B6AD695}" type="datetimeFigureOut">
               <a:rPr lang="LID4096" smtClean="0"/>
-              <a:t>11/30/2025</a:t>
+              <a:t>12/01/2025</a:t>
             </a:fld>
             <a:endParaRPr lang="LID4096"/>
           </a:p>
@@ -2416,7 +2548,7 @@
           <a:p>
             <a:fld id="{7D857813-4F54-43A3-96DC-1E841B6AD695}" type="datetimeFigureOut">
               <a:rPr lang="LID4096" smtClean="0"/>
-              <a:t>11/30/2025</a:t>
+              <a:t>12/01/2025</a:t>
             </a:fld>
             <a:endParaRPr lang="LID4096"/>
           </a:p>
@@ -2529,7 +2661,7 @@
           <a:p>
             <a:fld id="{7D857813-4F54-43A3-96DC-1E841B6AD695}" type="datetimeFigureOut">
               <a:rPr lang="LID4096" smtClean="0"/>
-              <a:t>11/30/2025</a:t>
+              <a:t>12/01/2025</a:t>
             </a:fld>
             <a:endParaRPr lang="LID4096"/>
           </a:p>
@@ -2842,7 +2974,7 @@
           <a:p>
             <a:fld id="{7D857813-4F54-43A3-96DC-1E841B6AD695}" type="datetimeFigureOut">
               <a:rPr lang="LID4096" smtClean="0"/>
-              <a:t>11/30/2025</a:t>
+              <a:t>12/01/2025</a:t>
             </a:fld>
             <a:endParaRPr lang="LID4096"/>
           </a:p>
@@ -3131,7 +3263,7 @@
           <a:p>
             <a:fld id="{7D857813-4F54-43A3-96DC-1E841B6AD695}" type="datetimeFigureOut">
               <a:rPr lang="LID4096" smtClean="0"/>
-              <a:t>11/30/2025</a:t>
+              <a:t>12/01/2025</a:t>
             </a:fld>
             <a:endParaRPr lang="LID4096"/>
           </a:p>
@@ -3374,7 +3506,7 @@
           <a:p>
             <a:fld id="{7D857813-4F54-43A3-96DC-1E841B6AD695}" type="datetimeFigureOut">
               <a:rPr lang="LID4096" smtClean="0"/>
-              <a:t>11/30/2025</a:t>
+              <a:t>12/01/2025</a:t>
             </a:fld>
             <a:endParaRPr lang="LID4096"/>
           </a:p>
@@ -3863,6 +3995,777 @@
 </p:sld>
 </file>
 
+<file path=ppt/slides/slide10.xml><?xml version="1.0" encoding="utf-8"?>
+<p:sld xmlns:a="http://schemas.openxmlformats.org/drawingml/2006/main" xmlns:r="http://schemas.openxmlformats.org/officeDocument/2006/relationships" xmlns:p="http://schemas.openxmlformats.org/presentationml/2006/main">
+  <p:cSld>
+    <p:spTree>
+      <p:nvGrpSpPr>
+        <p:cNvPr id="1" name=""/>
+        <p:cNvGrpSpPr/>
+        <p:nvPr/>
+      </p:nvGrpSpPr>
+      <p:grpSpPr>
+        <a:xfrm>
+          <a:off x="0" y="0"/>
+          <a:ext cx="0" cy="0"/>
+          <a:chOff x="0" y="0"/>
+          <a:chExt cx="0" cy="0"/>
+        </a:xfrm>
+      </p:grpSpPr>
+      <mc:AlternateContent xmlns:mc="http://schemas.openxmlformats.org/markup-compatibility/2006">
+        <mc:Choice xmlns:a14="http://schemas.microsoft.com/office/drawing/2010/main" Requires="a14">
+          <p:sp>
+            <p:nvSpPr>
+              <p:cNvPr id="3" name="Content Placeholder 2">
+                <a:extLst>
+                  <a:ext uri="{FF2B5EF4-FFF2-40B4-BE49-F238E27FC236}">
+                    <a16:creationId xmlns:a16="http://schemas.microsoft.com/office/drawing/2014/main" id="{E5814836-5EC1-8757-99BA-4954064F9F01}"/>
+                  </a:ext>
+                </a:extLst>
+              </p:cNvPr>
+              <p:cNvSpPr>
+                <a:spLocks noGrp="1"/>
+              </p:cNvSpPr>
+              <p:nvPr>
+                <p:ph idx="1"/>
+              </p:nvPr>
+            </p:nvSpPr>
+            <p:spPr>
+              <a:xfrm>
+                <a:off x="838200" y="304802"/>
+                <a:ext cx="10370574" cy="2713702"/>
+              </a:xfrm>
+            </p:spPr>
+            <p:txBody>
+              <a:bodyPr>
+                <a:normAutofit/>
+              </a:bodyPr>
+              <a:lstStyle/>
+              <a:p>
+                <a:pPr marL="0" indent="0">
+                  <a:buNone/>
+                </a:pPr>
+                <a:r>
+                  <a:rPr lang="en-US" sz="2000" dirty="0"/>
+                  <a:t>Given a query point </a:t>
+                </a:r>
+                <a14:m>
+                  <m:oMath xmlns:m="http://schemas.openxmlformats.org/officeDocument/2006/math">
+                    <m:r>
+                      <a:rPr lang="en-US" sz="2000" b="0" i="1" smtClean="0">
+                        <a:latin typeface="Cambria Math" panose="02040503050406030204" pitchFamily="18" charset="0"/>
+                      </a:rPr>
+                      <m:t>𝑞</m:t>
+                    </m:r>
+                  </m:oMath>
+                </a14:m>
+                <a:r>
+                  <a:rPr lang="en-US" sz="2000" b="0" dirty="0"/>
+                  <a:t> and a level </a:t>
+                </a:r>
+                <a14:m>
+                  <m:oMath xmlns:m="http://schemas.openxmlformats.org/officeDocument/2006/math">
+                    <m:r>
+                      <a:rPr lang="en-US" sz="2000" b="0" i="1" smtClean="0">
+                        <a:latin typeface="Cambria Math" panose="02040503050406030204" pitchFamily="18" charset="0"/>
+                      </a:rPr>
+                      <m:t>𝑙</m:t>
+                    </m:r>
+                  </m:oMath>
+                </a14:m>
+                <a:r>
+                  <a:rPr lang="en-US" sz="2000" b="0" dirty="0"/>
+                  <a:t> we can comput</a:t>
+                </a:r>
+                <a:r>
+                  <a:rPr lang="en-US" sz="2000" dirty="0"/>
+                  <a:t>e the square at level </a:t>
+                </a:r>
+                <a14:m>
+                  <m:oMath xmlns:m="http://schemas.openxmlformats.org/officeDocument/2006/math">
+                    <m:r>
+                      <a:rPr lang="en-US" sz="2000" b="0" i="1" smtClean="0">
+                        <a:latin typeface="Cambria Math" panose="02040503050406030204" pitchFamily="18" charset="0"/>
+                      </a:rPr>
+                      <m:t>𝑙</m:t>
+                    </m:r>
+                  </m:oMath>
+                </a14:m>
+                <a:r>
+                  <a:rPr lang="en-US" sz="2000" b="0" dirty="0"/>
+                  <a:t> containing </a:t>
+                </a:r>
+                <a14:m>
+                  <m:oMath xmlns:m="http://schemas.openxmlformats.org/officeDocument/2006/math">
+                    <m:r>
+                      <a:rPr lang="en-US" sz="2000" b="0" i="1" smtClean="0">
+                        <a:latin typeface="Cambria Math" panose="02040503050406030204" pitchFamily="18" charset="0"/>
+                      </a:rPr>
+                      <m:t>𝑞</m:t>
+                    </m:r>
+                  </m:oMath>
+                </a14:m>
+                <a:r>
+                  <a:rPr lang="en-US" sz="2000" b="0" dirty="0"/>
+                  <a:t> at </a:t>
+                </a:r>
+                <a14:m>
+                  <m:oMath xmlns:m="http://schemas.openxmlformats.org/officeDocument/2006/math">
+                    <m:r>
+                      <a:rPr lang="en-US" sz="2000" b="0" i="1" smtClean="0">
+                        <a:latin typeface="Cambria Math" panose="02040503050406030204" pitchFamily="18" charset="0"/>
+                      </a:rPr>
+                      <m:t>𝑂</m:t>
+                    </m:r>
+                    <m:d>
+                      <m:dPr>
+                        <m:ctrlPr>
+                          <a:rPr lang="en-US" sz="2000" b="0" i="1" smtClean="0">
+                            <a:latin typeface="Cambria Math" panose="02040503050406030204" pitchFamily="18" charset="0"/>
+                          </a:rPr>
+                        </m:ctrlPr>
+                      </m:dPr>
+                      <m:e>
+                        <m:r>
+                          <a:rPr lang="en-US" sz="2000" b="0" i="1" smtClean="0">
+                            <a:latin typeface="Cambria Math" panose="02040503050406030204" pitchFamily="18" charset="0"/>
+                          </a:rPr>
+                          <m:t>1</m:t>
+                        </m:r>
+                      </m:e>
+                    </m:d>
+                  </m:oMath>
+                </a14:m>
+                <a:r>
+                  <a:rPr lang="en-US" sz="2000" b="0" i="1" dirty="0">
+                    <a:latin typeface="Cambria Math" panose="02040503050406030204" pitchFamily="18" charset="0"/>
+                  </a:rPr>
+                  <a:t>.</a:t>
+                </a:r>
+              </a:p>
+              <a:p>
+                <a:pPr marL="0" indent="0">
+                  <a:buNone/>
+                </a:pPr>
+                <a:r>
+                  <a:rPr lang="en-US" sz="2000" b="0" dirty="0"/>
+                  <a:t>Let                                          denote the procedure that, in constant time, returns the node </a:t>
+                </a:r>
+                <a14:m>
+                  <m:oMath xmlns:m="http://schemas.openxmlformats.org/officeDocument/2006/math">
+                    <m:r>
+                      <a:rPr lang="en-US" sz="2000" b="1" i="1" smtClean="0">
+                        <a:latin typeface="Cambria Math" panose="02040503050406030204" pitchFamily="18" charset="0"/>
+                      </a:rPr>
+                      <m:t>𝒗</m:t>
+                    </m:r>
+                  </m:oMath>
+                </a14:m>
+                <a:r>
+                  <a:rPr lang="en-US" sz="2000" b="0" dirty="0"/>
+                  <a:t> of depth </a:t>
+                </a:r>
+                <a14:m>
+                  <m:oMath xmlns:m="http://schemas.openxmlformats.org/officeDocument/2006/math">
+                    <m:r>
+                      <a:rPr lang="en-US" sz="2000" b="0" i="1" smtClean="0">
+                        <a:latin typeface="Cambria Math" panose="02040503050406030204" pitchFamily="18" charset="0"/>
+                      </a:rPr>
+                      <m:t>𝑑</m:t>
+                    </m:r>
+                  </m:oMath>
+                </a14:m>
+                <a:r>
+                  <a:rPr lang="en-US" sz="2000" b="0" dirty="0"/>
+                  <a:t>, where </a:t>
+                </a:r>
+                <a14:m>
+                  <m:oMath xmlns:m="http://schemas.openxmlformats.org/officeDocument/2006/math">
+                    <m:r>
+                      <a:rPr lang="en-US" sz="2000" b="0" i="1" smtClean="0">
+                        <a:latin typeface="Cambria Math" panose="02040503050406030204" pitchFamily="18" charset="0"/>
+                      </a:rPr>
+                      <m:t>𝑞</m:t>
+                    </m:r>
+                  </m:oMath>
+                </a14:m>
+                <a:r>
+                  <a:rPr lang="en-US" sz="2000" dirty="0"/>
+                  <a:t> is any point inside square </a:t>
+                </a:r>
+                <a14:m>
+                  <m:oMath xmlns:m="http://schemas.openxmlformats.org/officeDocument/2006/math">
+                    <m:r>
+                      <m:rPr>
+                        <m:nor/>
+                      </m:rPr>
+                      <a:rPr lang="en-US" sz="2000" dirty="0">
+                        <a:latin typeface="Arial" panose="020B0604020202020204" pitchFamily="34" charset="0"/>
+                        <a:cs typeface="Arial" panose="020B0604020202020204" pitchFamily="34" charset="0"/>
+                      </a:rPr>
+                      <m:t>□</m:t>
+                    </m:r>
+                    <m:r>
+                      <a:rPr lang="en-US" sz="2000" i="1" baseline="-25000">
+                        <a:latin typeface="Cambria Math" panose="02040503050406030204" pitchFamily="18" charset="0"/>
+                        <a:cs typeface="Arial" panose="020B0604020202020204" pitchFamily="34" charset="0"/>
+                      </a:rPr>
+                      <m:t>𝑣</m:t>
+                    </m:r>
+                    <m:r>
+                      <a:rPr lang="en-US" sz="2000" i="1" baseline="-25000">
+                        <a:latin typeface="Cambria Math" panose="02040503050406030204" pitchFamily="18" charset="0"/>
+                        <a:cs typeface="Arial" panose="020B0604020202020204" pitchFamily="34" charset="0"/>
+                      </a:rPr>
+                      <m:t> </m:t>
+                    </m:r>
+                  </m:oMath>
+                </a14:m>
+                <a:endParaRPr lang="en-US" sz="2000" b="0" dirty="0"/>
+              </a:p>
+              <a:p>
+                <a:pPr marL="0" indent="0">
+                  <a:buNone/>
+                </a:pPr>
+                <a:r>
+                  <a:rPr lang="en-US" sz="2000" dirty="0"/>
+                  <a:t>This suggest a natural algorithm point-location</a:t>
+                </a:r>
+                <a:r>
+                  <a:rPr lang="en-US" sz="2000" b="0" dirty="0"/>
+                  <a:t> in a quadtree:</a:t>
+                </a:r>
+              </a:p>
+              <a:p>
+                <a:r>
+                  <a:rPr lang="en-US" sz="2000" b="0" dirty="0"/>
+                  <a:t>Create a hash-table</a:t>
+                </a:r>
+                <a:r>
+                  <a:rPr lang="en-US" sz="2000" dirty="0"/>
+                  <a:t> storing </a:t>
+                </a:r>
+                <a:r>
+                  <a:rPr lang="en-US" sz="2000" b="0" dirty="0"/>
+                  <a:t>all the </a:t>
+                </a:r>
+                <a:r>
+                  <a:rPr lang="en-US" sz="2000" dirty="0"/>
+                  <a:t>IDs of nodes in the quadtree</a:t>
+                </a:r>
+              </a:p>
+              <a:p>
+                <a:r>
+                  <a:rPr lang="en-US" sz="2000" dirty="0"/>
+                  <a:t>Compute the maximal depth of the quadtree</a:t>
+                </a:r>
+              </a:p>
+              <a:p>
+                <a:pPr marL="0" indent="0">
+                  <a:buNone/>
+                </a:pPr>
+                <a:r>
+                  <a:rPr lang="en-US" sz="2000" dirty="0"/>
+                  <a:t>We’ll use                                 shown in the left corner.</a:t>
+                </a:r>
+              </a:p>
+              <a:p>
+                <a:pPr marL="0" indent="0">
+                  <a:buNone/>
+                </a:pPr>
+                <a:endParaRPr lang="en-US" sz="2000" b="0" dirty="0"/>
+              </a:p>
+              <a:p>
+                <a:pPr marL="0" indent="0">
+                  <a:buNone/>
+                </a:pPr>
+                <a:endParaRPr lang="en-US" sz="2000" dirty="0"/>
+              </a:p>
+              <a:p>
+                <a:pPr marL="0" indent="0">
+                  <a:buNone/>
+                </a:pPr>
+                <a:endParaRPr lang="en-US" sz="2000" dirty="0"/>
+              </a:p>
+              <a:p>
+                <a:pPr marL="0" indent="0">
+                  <a:buNone/>
+                </a:pPr>
+                <a:endParaRPr lang="en-US" sz="2000" b="0" dirty="0"/>
+              </a:p>
+              <a:p>
+                <a:pPr marL="0" indent="0">
+                  <a:buNone/>
+                </a:pPr>
+                <a:endParaRPr lang="en-US" sz="2000" dirty="0"/>
+              </a:p>
+            </p:txBody>
+          </p:sp>
+        </mc:Choice>
+        <mc:Fallback>
+          <p:sp>
+            <p:nvSpPr>
+              <p:cNvPr id="3" name="Content Placeholder 2">
+                <a:extLst>
+                  <a:ext uri="{FF2B5EF4-FFF2-40B4-BE49-F238E27FC236}">
+                    <a16:creationId xmlns:a16="http://schemas.microsoft.com/office/drawing/2014/main" id="{E5814836-5EC1-8757-99BA-4954064F9F01}"/>
+                  </a:ext>
+                </a:extLst>
+              </p:cNvPr>
+              <p:cNvSpPr>
+                <a:spLocks noGrp="1" noRot="1" noChangeAspect="1" noMove="1" noResize="1" noEditPoints="1" noAdjustHandles="1" noChangeArrowheads="1" noChangeShapeType="1" noTextEdit="1"/>
+              </p:cNvSpPr>
+              <p:nvPr>
+                <p:ph idx="1"/>
+              </p:nvPr>
+            </p:nvSpPr>
+            <p:spPr>
+              <a:xfrm>
+                <a:off x="838200" y="304802"/>
+                <a:ext cx="10370574" cy="2713702"/>
+              </a:xfrm>
+              <a:blipFill>
+                <a:blip r:embed="rId3"/>
+                <a:stretch>
+                  <a:fillRect l="-647" t="-2697" b="-1798"/>
+                </a:stretch>
+              </a:blipFill>
+            </p:spPr>
+            <p:txBody>
+              <a:bodyPr/>
+              <a:lstStyle/>
+              <a:p>
+                <a:r>
+                  <a:rPr lang="LID4096">
+                    <a:noFill/>
+                  </a:rPr>
+                  <a:t> </a:t>
+                </a:r>
+              </a:p>
+            </p:txBody>
+          </p:sp>
+        </mc:Fallback>
+      </mc:AlternateContent>
+      <p:pic>
+        <p:nvPicPr>
+          <p:cNvPr id="11" name="Picture 10">
+            <a:extLst>
+              <a:ext uri="{FF2B5EF4-FFF2-40B4-BE49-F238E27FC236}">
+                <a16:creationId xmlns:a16="http://schemas.microsoft.com/office/drawing/2014/main" id="{78CA3AB4-2674-10F6-2E2C-1AB6EFAE1320}"/>
+              </a:ext>
+            </a:extLst>
+          </p:cNvPr>
+          <p:cNvPicPr>
+            <a:picLocks noChangeAspect="1"/>
+          </p:cNvPicPr>
+          <p:nvPr/>
+        </p:nvPicPr>
+        <p:blipFill>
+          <a:blip r:embed="rId4"/>
+          <a:stretch>
+            <a:fillRect/>
+          </a:stretch>
+        </p:blipFill>
+        <p:spPr>
+          <a:xfrm>
+            <a:off x="1997618" y="2669458"/>
+            <a:ext cx="1600989" cy="191735"/>
+          </a:xfrm>
+          <a:prstGeom prst="rect">
+            <a:avLst/>
+          </a:prstGeom>
+        </p:spPr>
+      </p:pic>
+      <p:pic>
+        <p:nvPicPr>
+          <p:cNvPr id="15" name="Picture 14">
+            <a:extLst>
+              <a:ext uri="{FF2B5EF4-FFF2-40B4-BE49-F238E27FC236}">
+                <a16:creationId xmlns:a16="http://schemas.microsoft.com/office/drawing/2014/main" id="{A7A35F6A-E77D-C168-EB88-BCA74F17C6AE}"/>
+              </a:ext>
+            </a:extLst>
+          </p:cNvPr>
+          <p:cNvPicPr>
+            <a:picLocks noChangeAspect="1"/>
+          </p:cNvPicPr>
+          <p:nvPr/>
+        </p:nvPicPr>
+        <p:blipFill>
+          <a:blip r:embed="rId5"/>
+          <a:stretch>
+            <a:fillRect/>
+          </a:stretch>
+        </p:blipFill>
+        <p:spPr>
+          <a:xfrm>
+            <a:off x="1388508" y="782113"/>
+            <a:ext cx="2033118" cy="225902"/>
+          </a:xfrm>
+          <a:prstGeom prst="rect">
+            <a:avLst/>
+          </a:prstGeom>
+        </p:spPr>
+      </p:pic>
+      <p:pic>
+        <p:nvPicPr>
+          <p:cNvPr id="6" name="Picture 5" descr=" ">
+            <a:extLst>
+              <a:ext uri="{FF2B5EF4-FFF2-40B4-BE49-F238E27FC236}">
+                <a16:creationId xmlns:a16="http://schemas.microsoft.com/office/drawing/2014/main" id="{3DCBB5BB-AA0A-0B06-4B38-99BC926DE8EA}"/>
+              </a:ext>
+            </a:extLst>
+          </p:cNvPr>
+          <p:cNvPicPr>
+            <a:picLocks noChangeAspect="1"/>
+          </p:cNvPicPr>
+          <p:nvPr/>
+        </p:nvPicPr>
+        <p:blipFill>
+          <a:blip r:embed="rId6"/>
+          <a:srcRect l="3922" t="8166" r="10551" b="5100"/>
+          <a:stretch>
+            <a:fillRect/>
+          </a:stretch>
+        </p:blipFill>
+        <p:spPr>
+          <a:xfrm>
+            <a:off x="8042787" y="3224979"/>
+            <a:ext cx="4041058" cy="2970350"/>
+          </a:xfrm>
+          <a:prstGeom prst="rect">
+            <a:avLst/>
+          </a:prstGeom>
+        </p:spPr>
+      </p:pic>
+      <mc:AlternateContent xmlns:mc="http://schemas.openxmlformats.org/markup-compatibility/2006">
+        <mc:Choice xmlns:a14="http://schemas.microsoft.com/office/drawing/2010/main" Requires="a14">
+          <p:sp>
+            <p:nvSpPr>
+              <p:cNvPr id="16" name="TextBox 15">
+                <a:extLst>
+                  <a:ext uri="{FF2B5EF4-FFF2-40B4-BE49-F238E27FC236}">
+                    <a16:creationId xmlns:a16="http://schemas.microsoft.com/office/drawing/2014/main" id="{E5B41CD9-E36C-6381-8F52-7E800DC0FC02}"/>
+                  </a:ext>
+                </a:extLst>
+              </p:cNvPr>
+              <p:cNvSpPr txBox="1"/>
+              <p:nvPr/>
+            </p:nvSpPr>
+            <p:spPr>
+              <a:xfrm>
+                <a:off x="825909" y="3224979"/>
+                <a:ext cx="6735097" cy="2554545"/>
+              </a:xfrm>
+              <a:prstGeom prst="rect">
+                <a:avLst/>
+              </a:prstGeom>
+              <a:noFill/>
+            </p:spPr>
+            <p:txBody>
+              <a:bodyPr wrap="square" rtlCol="0">
+                <a:spAutoFit/>
+              </a:bodyPr>
+              <a:lstStyle/>
+              <a:p>
+                <a:r>
+                  <a:rPr lang="en-US" sz="2000" dirty="0"/>
+                  <a:t>Like in binary search, we’ll run </a:t>
+                </a:r>
+              </a:p>
+              <a:p>
+                <a:r>
+                  <a:rPr lang="en-US" sz="2000" dirty="0"/>
+                  <a:t>with </a:t>
+                </a:r>
+                <a14:m>
+                  <m:oMath xmlns:m="http://schemas.openxmlformats.org/officeDocument/2006/math">
+                    <m:r>
+                      <a:rPr lang="en-US" sz="2000" b="0" i="1" smtClean="0">
+                        <a:latin typeface="Cambria Math" panose="02040503050406030204" pitchFamily="18" charset="0"/>
+                      </a:rPr>
+                      <m:t>𝑚</m:t>
+                    </m:r>
+                  </m:oMath>
+                </a14:m>
+                <a:r>
+                  <a:rPr lang="en-US" sz="2000" b="0" dirty="0"/>
+                  <a:t> level representing the median between the upper level (</a:t>
+                </a:r>
+                <a14:m>
+                  <m:oMath xmlns:m="http://schemas.openxmlformats.org/officeDocument/2006/math">
+                    <m:r>
+                      <a:rPr lang="en-US" sz="2000" b="0" i="1" smtClean="0">
+                        <a:latin typeface="Cambria Math" panose="02040503050406030204" pitchFamily="18" charset="0"/>
+                      </a:rPr>
+                      <m:t>𝑙</m:t>
+                    </m:r>
+                  </m:oMath>
+                </a14:m>
+                <a:r>
+                  <a:rPr lang="en-US" sz="2000" dirty="0"/>
+                  <a:t>) and the lower level (</a:t>
+                </a:r>
+                <a14:m>
+                  <m:oMath xmlns:m="http://schemas.openxmlformats.org/officeDocument/2006/math">
+                    <m:r>
+                      <a:rPr lang="en-US" sz="2000" b="0" i="1" smtClean="0">
+                        <a:latin typeface="Cambria Math" panose="02040503050406030204" pitchFamily="18" charset="0"/>
+                      </a:rPr>
+                      <m:t>h</m:t>
+                    </m:r>
+                  </m:oMath>
+                </a14:m>
+                <a:r>
+                  <a:rPr lang="en-US" sz="2000" b="0" dirty="0"/>
+                  <a:t>)</a:t>
+                </a:r>
+              </a:p>
+              <a:p>
+                <a:r>
+                  <a:rPr lang="en-US" sz="2000" dirty="0"/>
+                  <a:t>If </a:t>
+                </a:r>
+                <a14:m>
+                  <m:oMath xmlns:m="http://schemas.openxmlformats.org/officeDocument/2006/math">
+                    <m:r>
+                      <a:rPr lang="en-US" sz="2000" b="0" i="1" smtClean="0">
+                        <a:latin typeface="Cambria Math" panose="02040503050406030204" pitchFamily="18" charset="0"/>
+                      </a:rPr>
+                      <m:t>𝑣</m:t>
+                    </m:r>
+                  </m:oMath>
+                </a14:m>
+                <a:r>
+                  <a:rPr lang="en-US" sz="2000" dirty="0"/>
+                  <a:t> = </a:t>
+                </a:r>
+                <a14:m>
+                  <m:oMath xmlns:m="http://schemas.openxmlformats.org/officeDocument/2006/math">
+                    <m:r>
+                      <a:rPr lang="en-US" sz="2000" b="0" i="1" smtClean="0">
+                        <a:latin typeface="Cambria Math" panose="02040503050406030204" pitchFamily="18" charset="0"/>
+                      </a:rPr>
+                      <m:t>𝑛𝑢𝑙𝑙</m:t>
+                    </m:r>
+                  </m:oMath>
+                </a14:m>
+                <a:r>
+                  <a:rPr lang="en-US" sz="2000" b="0" dirty="0"/>
+                  <a:t> then we searched too deep, and the the leaf containing </a:t>
+                </a:r>
+                <a14:m>
+                  <m:oMath xmlns:m="http://schemas.openxmlformats.org/officeDocument/2006/math">
+                    <m:r>
+                      <a:rPr lang="en-US" sz="2000" b="0" i="1" smtClean="0">
+                        <a:latin typeface="Cambria Math" panose="02040503050406030204" pitchFamily="18" charset="0"/>
+                      </a:rPr>
+                      <m:t>𝑞</m:t>
+                    </m:r>
+                  </m:oMath>
+                </a14:m>
+                <a:r>
+                  <a:rPr lang="en-US" sz="2000" dirty="0"/>
+                  <a:t> has level </a:t>
+                </a:r>
+                <a:r>
+                  <a:rPr lang="en-US" sz="2000" u="sng" dirty="0"/>
+                  <a:t>lower </a:t>
+                </a:r>
+                <a:r>
+                  <a:rPr lang="en-US" sz="2000" dirty="0"/>
+                  <a:t>than l, so we’ll recurse with </a:t>
+                </a:r>
+              </a:p>
+              <a:p>
+                <a:r>
+                  <a:rPr lang="en-US" sz="2000" dirty="0"/>
+                  <a:t>                                      </a:t>
+                </a:r>
+              </a:p>
+              <a:p>
+                <a:r>
+                  <a:rPr lang="en-US" sz="2000" b="0" dirty="0"/>
+                  <a:t>Else, if </a:t>
+                </a:r>
+                <a14:m>
+                  <m:oMath xmlns:m="http://schemas.openxmlformats.org/officeDocument/2006/math">
+                    <m:r>
+                      <a:rPr lang="en-US" sz="2000" i="1">
+                        <a:latin typeface="Cambria Math" panose="02040503050406030204" pitchFamily="18" charset="0"/>
+                      </a:rPr>
+                      <m:t>𝑣</m:t>
+                    </m:r>
+                  </m:oMath>
+                </a14:m>
+                <a:r>
+                  <a:rPr lang="en-US" sz="2000" dirty="0"/>
+                  <a:t> is a leaf then we’re done</a:t>
+                </a:r>
+              </a:p>
+              <a:p>
+                <a:r>
+                  <a:rPr lang="en-US" sz="2000" b="0" dirty="0"/>
+                  <a:t>Otherwise – we need </a:t>
+                </a:r>
+                <a:r>
+                  <a:rPr lang="en-US" sz="2000" dirty="0"/>
+                  <a:t>to search deeper, so we’ll recurse with</a:t>
+                </a:r>
+                <a:endParaRPr lang="en-US" sz="2000" b="0" dirty="0"/>
+              </a:p>
+            </p:txBody>
+          </p:sp>
+        </mc:Choice>
+        <mc:Fallback>
+          <p:sp>
+            <p:nvSpPr>
+              <p:cNvPr id="16" name="TextBox 15">
+                <a:extLst>
+                  <a:ext uri="{FF2B5EF4-FFF2-40B4-BE49-F238E27FC236}">
+                    <a16:creationId xmlns:a16="http://schemas.microsoft.com/office/drawing/2014/main" id="{E5B41CD9-E36C-6381-8F52-7E800DC0FC02}"/>
+                  </a:ext>
+                </a:extLst>
+              </p:cNvPr>
+              <p:cNvSpPr txBox="1">
+                <a:spLocks noRot="1" noChangeAspect="1" noMove="1" noResize="1" noEditPoints="1" noAdjustHandles="1" noChangeArrowheads="1" noChangeShapeType="1" noTextEdit="1"/>
+              </p:cNvSpPr>
+              <p:nvPr/>
+            </p:nvSpPr>
+            <p:spPr>
+              <a:xfrm>
+                <a:off x="825909" y="3224979"/>
+                <a:ext cx="6735097" cy="2554545"/>
+              </a:xfrm>
+              <a:prstGeom prst="rect">
+                <a:avLst/>
+              </a:prstGeom>
+              <a:blipFill>
+                <a:blip r:embed="rId7"/>
+                <a:stretch>
+                  <a:fillRect l="-905" t="-1193" r="-271" b="-3341"/>
+                </a:stretch>
+              </a:blipFill>
+            </p:spPr>
+            <p:txBody>
+              <a:bodyPr/>
+              <a:lstStyle/>
+              <a:p>
+                <a:r>
+                  <a:rPr lang="LID4096">
+                    <a:noFill/>
+                  </a:rPr>
+                  <a:t> </a:t>
+                </a:r>
+              </a:p>
+            </p:txBody>
+          </p:sp>
+        </mc:Fallback>
+      </mc:AlternateContent>
+      <p:pic>
+        <p:nvPicPr>
+          <p:cNvPr id="19" name="Picture 18">
+            <a:extLst>
+              <a:ext uri="{FF2B5EF4-FFF2-40B4-BE49-F238E27FC236}">
+                <a16:creationId xmlns:a16="http://schemas.microsoft.com/office/drawing/2014/main" id="{401D6F58-B34F-9267-49F7-E4B0832E8129}"/>
+              </a:ext>
+            </a:extLst>
+          </p:cNvPr>
+          <p:cNvPicPr>
+            <a:picLocks noChangeAspect="1"/>
+          </p:cNvPicPr>
+          <p:nvPr/>
+        </p:nvPicPr>
+        <p:blipFill>
+          <a:blip r:embed="rId8"/>
+          <a:srcRect l="3016" t="6572"/>
+          <a:stretch>
+            <a:fillRect/>
+          </a:stretch>
+        </p:blipFill>
+        <p:spPr>
+          <a:xfrm>
+            <a:off x="4247029" y="3318926"/>
+            <a:ext cx="2492984" cy="220147"/>
+          </a:xfrm>
+          <a:prstGeom prst="rect">
+            <a:avLst/>
+          </a:prstGeom>
+        </p:spPr>
+      </p:pic>
+      <p:pic>
+        <p:nvPicPr>
+          <p:cNvPr id="23" name="Picture 22">
+            <a:extLst>
+              <a:ext uri="{FF2B5EF4-FFF2-40B4-BE49-F238E27FC236}">
+                <a16:creationId xmlns:a16="http://schemas.microsoft.com/office/drawing/2014/main" id="{7F08827F-C41F-90DF-BC87-85CE446245FA}"/>
+              </a:ext>
+            </a:extLst>
+          </p:cNvPr>
+          <p:cNvPicPr>
+            <a:picLocks noChangeAspect="1"/>
+          </p:cNvPicPr>
+          <p:nvPr/>
+        </p:nvPicPr>
+        <p:blipFill>
+          <a:blip r:embed="rId9"/>
+          <a:stretch>
+            <a:fillRect/>
+          </a:stretch>
+        </p:blipFill>
+        <p:spPr>
+          <a:xfrm>
+            <a:off x="888478" y="4828754"/>
+            <a:ext cx="2110361" cy="214095"/>
+          </a:xfrm>
+          <a:prstGeom prst="rect">
+            <a:avLst/>
+          </a:prstGeom>
+        </p:spPr>
+      </p:pic>
+      <p:pic>
+        <p:nvPicPr>
+          <p:cNvPr id="25" name="Picture 24">
+            <a:extLst>
+              <a:ext uri="{FF2B5EF4-FFF2-40B4-BE49-F238E27FC236}">
+                <a16:creationId xmlns:a16="http://schemas.microsoft.com/office/drawing/2014/main" id="{61F1A86A-2976-E80B-BEDC-362549523B88}"/>
+              </a:ext>
+            </a:extLst>
+          </p:cNvPr>
+          <p:cNvPicPr>
+            <a:picLocks noChangeAspect="1"/>
+          </p:cNvPicPr>
+          <p:nvPr/>
+        </p:nvPicPr>
+        <p:blipFill>
+          <a:blip r:embed="rId10"/>
+          <a:srcRect l="-176" t="-18684" b="-1"/>
+          <a:stretch>
+            <a:fillRect/>
+          </a:stretch>
+        </p:blipFill>
+        <p:spPr>
+          <a:xfrm>
+            <a:off x="896405" y="5661970"/>
+            <a:ext cx="2202426" cy="289924"/>
+          </a:xfrm>
+          <a:prstGeom prst="rect">
+            <a:avLst/>
+          </a:prstGeom>
+        </p:spPr>
+      </p:pic>
+    </p:spTree>
+    <p:extLst>
+      <p:ext uri="{BB962C8B-B14F-4D97-AF65-F5344CB8AC3E}">
+        <p14:creationId xmlns:p14="http://schemas.microsoft.com/office/powerpoint/2010/main" val="2552378602"/>
+      </p:ext>
+    </p:extLst>
+  </p:cSld>
+  <p:clrMapOvr>
+    <a:masterClrMapping/>
+  </p:clrMapOvr>
+</p:sld>
+</file>
+
 <file path=ppt/slides/slide2.xml><?xml version="1.0" encoding="utf-8"?>
 <p:sld xmlns:a="http://schemas.openxmlformats.org/drawingml/2006/main" xmlns:r="http://schemas.openxmlformats.org/officeDocument/2006/relationships" xmlns:p="http://schemas.openxmlformats.org/presentationml/2006/main">
   <p:cSld>
@@ -4299,8 +5202,8 @@
           </a:p>
         </p:txBody>
       </p:sp>
-      <mc:AlternateContent xmlns:mc="http://schemas.openxmlformats.org/markup-compatibility/2006">
-        <mc:Choice xmlns:a14="http://schemas.microsoft.com/office/drawing/2010/main" Requires="a14">
+      <mc:AlternateContent xmlns:mc="http://schemas.openxmlformats.org/markup-compatibility/2006" xmlns:a14="http://schemas.microsoft.com/office/drawing/2010/main">
+        <mc:Choice Requires="a14">
           <p:sp>
             <p:nvSpPr>
               <p:cNvPr id="3" name="Content Placeholder 2">
@@ -4513,7 +5416,7 @@
             </p:txBody>
           </p:sp>
         </mc:Choice>
-        <mc:Fallback>
+        <mc:Fallback xmlns="">
           <p:sp>
             <p:nvSpPr>
               <p:cNvPr id="3" name="Content Placeholder 2">
@@ -4646,8 +5549,8 @@
           </a:p>
         </p:txBody>
       </p:sp>
-      <mc:AlternateContent xmlns:mc="http://schemas.openxmlformats.org/markup-compatibility/2006">
-        <mc:Choice xmlns:a14="http://schemas.microsoft.com/office/drawing/2010/main" Requires="a14">
+      <mc:AlternateContent xmlns:mc="http://schemas.openxmlformats.org/markup-compatibility/2006" xmlns:a14="http://schemas.microsoft.com/office/drawing/2010/main">
+        <mc:Choice Requires="a14">
           <p:sp>
             <p:nvSpPr>
               <p:cNvPr id="3" name="Content Placeholder 2">
@@ -4893,7 +5796,7 @@
             </p:txBody>
           </p:sp>
         </mc:Choice>
-        <mc:Fallback>
+        <mc:Fallback xmlns="">
           <p:sp>
             <p:nvSpPr>
               <p:cNvPr id="3" name="Content Placeholder 2">
@@ -4963,8 +5866,8 @@
           <a:chExt cx="0" cy="0"/>
         </a:xfrm>
       </p:grpSpPr>
-      <mc:AlternateContent xmlns:mc="http://schemas.openxmlformats.org/markup-compatibility/2006">
-        <mc:Choice xmlns:a14="http://schemas.microsoft.com/office/drawing/2010/main" Requires="a14">
+      <mc:AlternateContent xmlns:mc="http://schemas.openxmlformats.org/markup-compatibility/2006" xmlns:a14="http://schemas.microsoft.com/office/drawing/2010/main">
+        <mc:Choice Requires="a14">
           <p:sp>
             <p:nvSpPr>
               <p:cNvPr id="3" name="Content Placeholder 2">
@@ -5086,7 +5989,14 @@
                         <a:latin typeface="Cambria Math" panose="02040503050406030204" pitchFamily="18" charset="0"/>
                         <a:ea typeface="Cambria Math" panose="02040503050406030204" pitchFamily="18" charset="0"/>
                       </a:rPr>
-                      <m:t> 9</m:t>
+                      <m:t> </m:t>
+                    </m:r>
+                    <m:r>
+                      <a:rPr lang="en-US" sz="2000" b="0" i="1" smtClean="0">
+                        <a:latin typeface="Cambria Math" panose="02040503050406030204" pitchFamily="18" charset="0"/>
+                        <a:ea typeface="Cambria Math" panose="02040503050406030204" pitchFamily="18" charset="0"/>
+                      </a:rPr>
+                      <m:t>9</m:t>
                     </m:r>
                   </m:oMath>
                 </a14:m>
@@ -5297,7 +6207,7 @@
             </p:txBody>
           </p:sp>
         </mc:Choice>
-        <mc:Fallback>
+        <mc:Fallback xmlns="">
           <p:sp>
             <p:nvSpPr>
               <p:cNvPr id="3" name="Content Placeholder 2">
@@ -5500,8 +6410,8 @@
           <a:chExt cx="0" cy="0"/>
         </a:xfrm>
       </p:grpSpPr>
-      <mc:AlternateContent xmlns:mc="http://schemas.openxmlformats.org/markup-compatibility/2006">
-        <mc:Choice xmlns:a14="http://schemas.microsoft.com/office/drawing/2010/main" Requires="a14">
+      <mc:AlternateContent xmlns:mc="http://schemas.openxmlformats.org/markup-compatibility/2006" xmlns:a14="http://schemas.microsoft.com/office/drawing/2010/main">
+        <mc:Choice Requires="a14">
           <p:sp>
             <p:nvSpPr>
               <p:cNvPr id="3" name="Content Placeholder 2">
@@ -5523,6 +6433,10 @@
                 <a:off x="838200" y="311727"/>
                 <a:ext cx="10515600" cy="5865236"/>
               </a:xfrm>
+              <a:noFill/>
+              <a:ln>
+                <a:noFill/>
+              </a:ln>
             </p:spPr>
             <p:txBody>
               <a:bodyPr>
@@ -5612,7 +6526,7 @@
                 </a14:m>
                 <a:r>
                   <a:rPr lang="en-US" sz="2000" dirty="0"/>
-                  <a:t> is a power of two (i.e., it might correspond to a node in a quadtree). We will refer to such a grid </a:t>
+                  <a:t> is a power of two. We will refer to such a grid </a:t>
                 </a:r>
                 <a14:m>
                   <m:oMath xmlns:m="http://schemas.openxmlformats.org/officeDocument/2006/math">
@@ -5648,10 +6562,845 @@
                   <a:t> as a canonical grid.</a:t>
                 </a:r>
               </a:p>
+              <a:p>
+                <a:pPr marL="0" indent="0">
+                  <a:buNone/>
+                </a:pPr>
+                <a:r>
+                  <a:rPr lang="en-US" sz="2000" dirty="0"/>
+                  <a:t>Consider a node </a:t>
+                </a:r>
+                <a14:m>
+                  <m:oMath xmlns:m="http://schemas.openxmlformats.org/officeDocument/2006/math">
+                    <m:r>
+                      <a:rPr lang="en-US" sz="2000" b="0" i="1" smtClean="0">
+                        <a:latin typeface="Cambria Math" panose="02040503050406030204" pitchFamily="18" charset="0"/>
+                      </a:rPr>
+                      <m:t>𝑣</m:t>
+                    </m:r>
+                  </m:oMath>
+                </a14:m>
+                <a:r>
+                  <a:rPr lang="en-US" sz="2000" dirty="0"/>
+                  <a:t> of a quadtree of depth </a:t>
+                </a:r>
+                <a14:m>
+                  <m:oMath xmlns:m="http://schemas.openxmlformats.org/officeDocument/2006/math">
+                    <m:r>
+                      <a:rPr lang="en-US" sz="2000" b="0" i="1" smtClean="0">
+                        <a:latin typeface="Cambria Math" panose="02040503050406030204" pitchFamily="18" charset="0"/>
+                      </a:rPr>
+                      <m:t>𝑖</m:t>
+                    </m:r>
+                  </m:oMath>
+                </a14:m>
+                <a:r>
+                  <a:rPr lang="en-US" sz="2000" dirty="0"/>
+                  <a:t> (the root has depth 0) and its associated square </a:t>
+                </a:r>
+                <a:r>
+                  <a:rPr lang="en-US" sz="2000" dirty="0">
+                    <a:latin typeface="Arial" panose="020B0604020202020204" pitchFamily="34" charset="0"/>
+                    <a:cs typeface="Arial" panose="020B0604020202020204" pitchFamily="34" charset="0"/>
+                  </a:rPr>
+                  <a:t>□</a:t>
+                </a:r>
+                <a14:m>
+                  <m:oMath xmlns:m="http://schemas.openxmlformats.org/officeDocument/2006/math">
+                    <m:r>
+                      <a:rPr lang="en-US" sz="2000" i="1" baseline="-25000">
+                        <a:latin typeface="Cambria Math" panose="02040503050406030204" pitchFamily="18" charset="0"/>
+                        <a:cs typeface="Arial" panose="020B0604020202020204" pitchFamily="34" charset="0"/>
+                      </a:rPr>
+                      <m:t>𝑣</m:t>
+                    </m:r>
+                  </m:oMath>
+                </a14:m>
+                <a:r>
+                  <a:rPr lang="en-US" sz="2000" baseline="-25000" dirty="0">
+                    <a:latin typeface="Arial" panose="020B0604020202020204" pitchFamily="34" charset="0"/>
+                    <a:cs typeface="Arial" panose="020B0604020202020204" pitchFamily="34" charset="0"/>
+                  </a:rPr>
+                  <a:t>.</a:t>
+                </a:r>
+              </a:p>
+              <a:p>
+                <a:pPr marL="0" indent="0">
+                  <a:buNone/>
+                </a:pPr>
+                <a:r>
+                  <a:rPr lang="en-US" sz="2000" dirty="0"/>
+                  <a:t>The side length of </a:t>
+                </a:r>
+                <a:r>
+                  <a:rPr lang="en-US" sz="2000" dirty="0">
+                    <a:latin typeface="Arial" panose="020B0604020202020204" pitchFamily="34" charset="0"/>
+                    <a:cs typeface="Arial" panose="020B0604020202020204" pitchFamily="34" charset="0"/>
+                  </a:rPr>
+                  <a:t>□</a:t>
+                </a:r>
+                <a14:m>
+                  <m:oMath xmlns:m="http://schemas.openxmlformats.org/officeDocument/2006/math">
+                    <m:r>
+                      <a:rPr lang="en-US" sz="2000" i="1" baseline="-25000">
+                        <a:latin typeface="Cambria Math" panose="02040503050406030204" pitchFamily="18" charset="0"/>
+                        <a:cs typeface="Arial" panose="020B0604020202020204" pitchFamily="34" charset="0"/>
+                      </a:rPr>
+                      <m:t>𝑣</m:t>
+                    </m:r>
+                  </m:oMath>
+                </a14:m>
+                <a:r>
+                  <a:rPr lang="en-US" sz="2000" dirty="0"/>
+                  <a:t> is </a:t>
+                </a:r>
+                <a14:m>
+                  <m:oMath xmlns:m="http://schemas.openxmlformats.org/officeDocument/2006/math">
+                    <m:sSup>
+                      <m:sSupPr>
+                        <m:ctrlPr>
+                          <a:rPr lang="en-US" sz="2000" b="0" i="1" smtClean="0">
+                            <a:latin typeface="Cambria Math" panose="02040503050406030204" pitchFamily="18" charset="0"/>
+                          </a:rPr>
+                        </m:ctrlPr>
+                      </m:sSupPr>
+                      <m:e>
+                        <m:r>
+                          <a:rPr lang="en-US" sz="2000" b="0" i="1" smtClean="0">
+                            <a:latin typeface="Cambria Math" panose="02040503050406030204" pitchFamily="18" charset="0"/>
+                          </a:rPr>
+                          <m:t>2</m:t>
+                        </m:r>
+                      </m:e>
+                      <m:sup>
+                        <m:r>
+                          <a:rPr lang="en-US" sz="2000" b="0" i="1" smtClean="0">
+                            <a:latin typeface="Cambria Math" panose="02040503050406030204" pitchFamily="18" charset="0"/>
+                          </a:rPr>
+                          <m:t>−</m:t>
+                        </m:r>
+                        <m:r>
+                          <a:rPr lang="en-US" sz="2000" b="0" i="1" smtClean="0">
+                            <a:latin typeface="Cambria Math" panose="02040503050406030204" pitchFamily="18" charset="0"/>
+                          </a:rPr>
+                          <m:t>𝑖</m:t>
+                        </m:r>
+                      </m:sup>
+                    </m:sSup>
+                  </m:oMath>
+                </a14:m>
+                <a:r>
+                  <a:rPr lang="en-US" sz="2000" b="0" dirty="0"/>
+                  <a:t>, and it is a canonical square inside a canonical grid </a:t>
+                </a:r>
+                <a14:m>
+                  <m:oMath xmlns:m="http://schemas.openxmlformats.org/officeDocument/2006/math">
+                    <m:sSub>
+                      <m:sSubPr>
+                        <m:ctrlPr>
+                          <a:rPr lang="en-US" sz="2000" i="1">
+                            <a:latin typeface="Cambria Math" panose="02040503050406030204" pitchFamily="18" charset="0"/>
+                          </a:rPr>
+                        </m:ctrlPr>
+                      </m:sSubPr>
+                      <m:e>
+                        <m:r>
+                          <a:rPr lang="en-US" sz="2000" i="1">
+                            <a:latin typeface="Cambria Math" panose="02040503050406030204" pitchFamily="18" charset="0"/>
+                          </a:rPr>
+                          <m:t>𝐺</m:t>
+                        </m:r>
+                      </m:e>
+                      <m:sub>
+                        <m:r>
+                          <a:rPr lang="en-US" sz="2000" i="1">
+                            <a:latin typeface="Cambria Math" panose="02040503050406030204" pitchFamily="18" charset="0"/>
+                          </a:rPr>
+                          <m:t>𝑟</m:t>
+                        </m:r>
+                      </m:sub>
+                    </m:sSub>
+                  </m:oMath>
+                </a14:m>
+                <a:r>
+                  <a:rPr lang="en-US" sz="2000" b="0" dirty="0"/>
+                  <a:t>. We will refer to </a:t>
+                </a:r>
+                <a14:m>
+                  <m:oMath xmlns:m="http://schemas.openxmlformats.org/officeDocument/2006/math">
+                    <m:r>
+                      <a:rPr lang="en-US" sz="2000" b="0" i="1" smtClean="0">
+                        <a:latin typeface="Cambria Math" panose="02040503050406030204" pitchFamily="18" charset="0"/>
+                      </a:rPr>
+                      <m:t>𝑙</m:t>
+                    </m:r>
+                    <m:d>
+                      <m:dPr>
+                        <m:ctrlPr>
+                          <a:rPr lang="en-US" sz="2000" b="0" i="1" smtClean="0">
+                            <a:latin typeface="Cambria Math" panose="02040503050406030204" pitchFamily="18" charset="0"/>
+                          </a:rPr>
+                        </m:ctrlPr>
+                      </m:dPr>
+                      <m:e>
+                        <m:r>
+                          <a:rPr lang="en-US" sz="2000" b="0" i="1" smtClean="0">
+                            <a:latin typeface="Cambria Math" panose="02040503050406030204" pitchFamily="18" charset="0"/>
+                          </a:rPr>
+                          <m:t>𝑣</m:t>
+                        </m:r>
+                      </m:e>
+                    </m:d>
+                    <m:r>
+                      <a:rPr lang="en-US" sz="2000" b="0" i="1" smtClean="0">
+                        <a:latin typeface="Cambria Math" panose="02040503050406030204" pitchFamily="18" charset="0"/>
+                      </a:rPr>
+                      <m:t>=−</m:t>
+                    </m:r>
+                    <m:r>
+                      <a:rPr lang="en-US" sz="2000" b="0" i="1" smtClean="0">
+                        <a:latin typeface="Cambria Math" panose="02040503050406030204" pitchFamily="18" charset="0"/>
+                      </a:rPr>
+                      <m:t>𝑖</m:t>
+                    </m:r>
+                  </m:oMath>
+                </a14:m>
+                <a:r>
+                  <a:rPr lang="en-US" sz="2000" b="0" dirty="0"/>
+                  <a:t> as the </a:t>
+                </a:r>
+                <a:r>
+                  <a:rPr lang="en-US" sz="2000" b="0" i="1" dirty="0"/>
+                  <a:t>level</a:t>
+                </a:r>
+                <a:r>
+                  <a:rPr lang="en-US" sz="2000" b="0" dirty="0"/>
+                  <a:t> of </a:t>
+                </a:r>
+                <a14:m>
+                  <m:oMath xmlns:m="http://schemas.openxmlformats.org/officeDocument/2006/math">
+                    <m:r>
+                      <a:rPr lang="en-US" sz="2000" i="1">
+                        <a:latin typeface="Cambria Math" panose="02040503050406030204" pitchFamily="18" charset="0"/>
+                      </a:rPr>
+                      <m:t>𝑣</m:t>
+                    </m:r>
+                  </m:oMath>
+                </a14:m>
+                <a:r>
+                  <a:rPr lang="en-US" sz="2000" dirty="0"/>
+                  <a:t>. </a:t>
+                </a:r>
+              </a:p>
+              <a:p>
+                <a:pPr marL="0" indent="0">
+                  <a:buNone/>
+                </a:pPr>
+                <a:r>
+                  <a:rPr lang="en-US" sz="2000" b="0" dirty="0"/>
+                  <a:t>We’ll </a:t>
+                </a:r>
+                <a:r>
+                  <a:rPr lang="en-US" sz="2000" dirty="0"/>
+                  <a:t>make a unique ID for each node by the following triple:</a:t>
+                </a:r>
+              </a:p>
+              <a:p>
+                <a:pPr marL="0" indent="0">
+                  <a:buNone/>
+                </a:pPr>
+                <a:r>
+                  <a:rPr lang="en-US" sz="2000" dirty="0"/>
+                  <a:t> </a:t>
+                </a:r>
+                <a14:m>
+                  <m:oMath xmlns:m="http://schemas.openxmlformats.org/officeDocument/2006/math">
+                    <m:r>
+                      <a:rPr lang="en-US" sz="2000" b="1" i="1">
+                        <a:latin typeface="Cambria Math" panose="02040503050406030204" pitchFamily="18" charset="0"/>
+                      </a:rPr>
+                      <m:t>𝒊𝒅</m:t>
+                    </m:r>
+                    <m:d>
+                      <m:dPr>
+                        <m:ctrlPr>
+                          <a:rPr lang="en-US" sz="2000" b="1" i="1">
+                            <a:latin typeface="Cambria Math" panose="02040503050406030204" pitchFamily="18" charset="0"/>
+                          </a:rPr>
+                        </m:ctrlPr>
+                      </m:dPr>
+                      <m:e>
+                        <m:r>
+                          <a:rPr lang="en-US" sz="2000" b="1" i="1">
+                            <a:latin typeface="Cambria Math" panose="02040503050406030204" pitchFamily="18" charset="0"/>
+                          </a:rPr>
+                          <m:t>𝒗</m:t>
+                        </m:r>
+                      </m:e>
+                    </m:d>
+                    <m:r>
+                      <a:rPr lang="en-US" sz="2000" b="1" i="1">
+                        <a:latin typeface="Cambria Math" panose="02040503050406030204" pitchFamily="18" charset="0"/>
+                      </a:rPr>
+                      <m:t>=</m:t>
+                    </m:r>
+                    <m:d>
+                      <m:dPr>
+                        <m:ctrlPr>
+                          <a:rPr lang="en-US" sz="2000" i="1">
+                            <a:latin typeface="Cambria Math" panose="02040503050406030204" pitchFamily="18" charset="0"/>
+                          </a:rPr>
+                        </m:ctrlPr>
+                      </m:dPr>
+                      <m:e>
+                        <m:r>
+                          <a:rPr lang="en-US" sz="2000" i="1">
+                            <a:latin typeface="Cambria Math" panose="02040503050406030204" pitchFamily="18" charset="0"/>
+                          </a:rPr>
+                          <m:t>𝑙</m:t>
+                        </m:r>
+                        <m:d>
+                          <m:dPr>
+                            <m:ctrlPr>
+                              <a:rPr lang="en-US" sz="2000" i="1">
+                                <a:latin typeface="Cambria Math" panose="02040503050406030204" pitchFamily="18" charset="0"/>
+                              </a:rPr>
+                            </m:ctrlPr>
+                          </m:dPr>
+                          <m:e>
+                            <m:r>
+                              <a:rPr lang="en-US" sz="2000" i="1">
+                                <a:latin typeface="Cambria Math" panose="02040503050406030204" pitchFamily="18" charset="0"/>
+                              </a:rPr>
+                              <m:t>𝑣</m:t>
+                            </m:r>
+                          </m:e>
+                        </m:d>
+                        <m:r>
+                          <a:rPr lang="en-US" sz="2000" i="1">
+                            <a:latin typeface="Cambria Math" panose="02040503050406030204" pitchFamily="18" charset="0"/>
+                          </a:rPr>
+                          <m:t>,</m:t>
+                        </m:r>
+                        <m:d>
+                          <m:dPr>
+                            <m:begChr m:val="⌊"/>
+                            <m:endChr m:val="⌋"/>
+                            <m:ctrlPr>
+                              <a:rPr lang="en-US" sz="2000" i="1">
+                                <a:latin typeface="Cambria Math" panose="02040503050406030204" pitchFamily="18" charset="0"/>
+                              </a:rPr>
+                            </m:ctrlPr>
+                          </m:dPr>
+                          <m:e>
+                            <m:r>
+                              <a:rPr lang="en-US" sz="2000" i="1">
+                                <a:latin typeface="Cambria Math" panose="02040503050406030204" pitchFamily="18" charset="0"/>
+                              </a:rPr>
+                              <m:t>𝑥</m:t>
+                            </m:r>
+                            <m:r>
+                              <m:rPr>
+                                <m:lit/>
+                              </m:rPr>
+                              <a:rPr lang="en-US" sz="2000" i="1">
+                                <a:latin typeface="Cambria Math" panose="02040503050406030204" pitchFamily="18" charset="0"/>
+                              </a:rPr>
+                              <m:t>/</m:t>
+                            </m:r>
+                            <m:r>
+                              <a:rPr lang="en-US" sz="2000" i="1">
+                                <a:latin typeface="Cambria Math" panose="02040503050406030204" pitchFamily="18" charset="0"/>
+                              </a:rPr>
+                              <m:t>𝑟</m:t>
+                            </m:r>
+                          </m:e>
+                        </m:d>
+                        <m:r>
+                          <a:rPr lang="en-US" sz="2000" i="1">
+                            <a:latin typeface="Cambria Math" panose="02040503050406030204" pitchFamily="18" charset="0"/>
+                          </a:rPr>
+                          <m:t>,</m:t>
+                        </m:r>
+                        <m:d>
+                          <m:dPr>
+                            <m:begChr m:val="⌊"/>
+                            <m:endChr m:val="⌋"/>
+                            <m:ctrlPr>
+                              <a:rPr lang="en-US" sz="2000" i="1">
+                                <a:latin typeface="Cambria Math" panose="02040503050406030204" pitchFamily="18" charset="0"/>
+                              </a:rPr>
+                            </m:ctrlPr>
+                          </m:dPr>
+                          <m:e>
+                            <m:r>
+                              <a:rPr lang="en-US" sz="2000">
+                                <a:latin typeface="Cambria Math" panose="02040503050406030204" pitchFamily="18" charset="0"/>
+                              </a:rPr>
+                              <m:t>𝑦</m:t>
+                            </m:r>
+                            <m:r>
+                              <m:rPr>
+                                <m:lit/>
+                              </m:rPr>
+                              <a:rPr lang="en-US" sz="2000">
+                                <a:latin typeface="Cambria Math" panose="02040503050406030204" pitchFamily="18" charset="0"/>
+                              </a:rPr>
+                              <m:t>/</m:t>
+                            </m:r>
+                            <m:r>
+                              <a:rPr lang="en-US" sz="2000">
+                                <a:latin typeface="Cambria Math" panose="02040503050406030204" pitchFamily="18" charset="0"/>
+                              </a:rPr>
+                              <m:t>𝑟</m:t>
+                            </m:r>
+                          </m:e>
+                        </m:d>
+                      </m:e>
+                    </m:d>
+                    <m:r>
+                      <a:rPr lang="en-US" sz="2000" b="0" i="1" smtClean="0">
+                        <a:latin typeface="Cambria Math" panose="02040503050406030204" pitchFamily="18" charset="0"/>
+                      </a:rPr>
+                      <m:t> </m:t>
+                    </m:r>
+                    <m:r>
+                      <a:rPr lang="en-US" sz="2000" i="1">
+                        <a:latin typeface="Cambria Math" panose="02040503050406030204" pitchFamily="18" charset="0"/>
+                      </a:rPr>
+                      <m:t>𝑤</m:t>
+                    </m:r>
+                    <m:r>
+                      <a:rPr lang="en-US" sz="2000" i="1">
+                        <a:latin typeface="Cambria Math" panose="02040503050406030204" pitchFamily="18" charset="0"/>
+                      </a:rPr>
+                      <m:t>h</m:t>
+                    </m:r>
+                    <m:r>
+                      <a:rPr lang="en-US" sz="2000" i="1">
+                        <a:latin typeface="Cambria Math" panose="02040503050406030204" pitchFamily="18" charset="0"/>
+                      </a:rPr>
+                      <m:t>𝑒𝑟𝑒</m:t>
+                    </m:r>
+                    <m:r>
+                      <a:rPr lang="en-US" sz="2000" b="0" i="1" smtClean="0">
+                        <a:latin typeface="Cambria Math" panose="02040503050406030204" pitchFamily="18" charset="0"/>
+                      </a:rPr>
+                      <m:t> </m:t>
+                    </m:r>
+                    <m:d>
+                      <m:dPr>
+                        <m:ctrlPr>
+                          <a:rPr lang="en-US" sz="2000" i="1">
+                            <a:latin typeface="Cambria Math" panose="02040503050406030204" pitchFamily="18" charset="0"/>
+                          </a:rPr>
+                        </m:ctrlPr>
+                      </m:dPr>
+                      <m:e>
+                        <m:r>
+                          <a:rPr lang="en-US" sz="2000" i="1">
+                            <a:latin typeface="Cambria Math" panose="02040503050406030204" pitchFamily="18" charset="0"/>
+                          </a:rPr>
+                          <m:t>𝑥</m:t>
+                        </m:r>
+                        <m:r>
+                          <a:rPr lang="en-US" sz="2000" i="1">
+                            <a:latin typeface="Cambria Math" panose="02040503050406030204" pitchFamily="18" charset="0"/>
+                          </a:rPr>
+                          <m:t>,</m:t>
+                        </m:r>
+                        <m:r>
+                          <a:rPr lang="en-US" sz="2000" i="1">
+                            <a:latin typeface="Cambria Math" panose="02040503050406030204" pitchFamily="18" charset="0"/>
+                          </a:rPr>
+                          <m:t>𝑦</m:t>
+                        </m:r>
+                      </m:e>
+                    </m:d>
+                    <m:r>
+                      <a:rPr lang="en-US" sz="2000" b="0" i="1" smtClean="0">
+                        <a:latin typeface="Cambria Math" panose="02040503050406030204" pitchFamily="18" charset="0"/>
+                      </a:rPr>
+                      <m:t> </m:t>
+                    </m:r>
+                    <m:r>
+                      <a:rPr lang="en-US" sz="2000" i="1">
+                        <a:latin typeface="Cambria Math" panose="02040503050406030204" pitchFamily="18" charset="0"/>
+                      </a:rPr>
+                      <m:t>𝑖𝑠</m:t>
+                    </m:r>
+                    <m:r>
+                      <a:rPr lang="en-US" sz="2000" b="0" i="1" smtClean="0">
+                        <a:latin typeface="Cambria Math" panose="02040503050406030204" pitchFamily="18" charset="0"/>
+                      </a:rPr>
+                      <m:t> </m:t>
+                    </m:r>
+                    <m:r>
+                      <a:rPr lang="en-US" sz="2000" i="1">
+                        <a:latin typeface="Cambria Math" panose="02040503050406030204" pitchFamily="18" charset="0"/>
+                      </a:rPr>
+                      <m:t>𝑎𝑛𝑦</m:t>
+                    </m:r>
+                    <m:r>
+                      <a:rPr lang="en-US" sz="2000" b="0" i="1" smtClean="0">
+                        <a:latin typeface="Cambria Math" panose="02040503050406030204" pitchFamily="18" charset="0"/>
+                      </a:rPr>
+                      <m:t> </m:t>
+                    </m:r>
+                    <m:r>
+                      <a:rPr lang="en-US" sz="2000" i="1">
+                        <a:latin typeface="Cambria Math" panose="02040503050406030204" pitchFamily="18" charset="0"/>
+                      </a:rPr>
+                      <m:t>𝑝𝑜𝑖𝑛𝑡</m:t>
+                    </m:r>
+                    <m:r>
+                      <a:rPr lang="en-US" sz="2000" b="0" i="1" smtClean="0">
+                        <a:latin typeface="Cambria Math" panose="02040503050406030204" pitchFamily="18" charset="0"/>
+                      </a:rPr>
+                      <m:t> </m:t>
+                    </m:r>
+                    <m:r>
+                      <a:rPr lang="en-US" sz="2000" i="1">
+                        <a:latin typeface="Cambria Math" panose="02040503050406030204" pitchFamily="18" charset="0"/>
+                      </a:rPr>
+                      <m:t>𝑖𝑛</m:t>
+                    </m:r>
+                    <m:r>
+                      <m:rPr>
+                        <m:nor/>
+                      </m:rPr>
+                      <a:rPr lang="en-US" sz="2000" b="0" i="0" smtClean="0">
+                        <a:latin typeface="Cambria Math" panose="02040503050406030204" pitchFamily="18" charset="0"/>
+                      </a:rPr>
+                      <m:t> </m:t>
+                    </m:r>
+                    <m:r>
+                      <m:rPr>
+                        <m:nor/>
+                      </m:rPr>
+                      <a:rPr lang="en-US" sz="2000" dirty="0">
+                        <a:latin typeface="Arial" panose="020B0604020202020204" pitchFamily="34" charset="0"/>
+                        <a:cs typeface="Arial" panose="020B0604020202020204" pitchFamily="34" charset="0"/>
+                      </a:rPr>
+                      <m:t>□</m:t>
+                    </m:r>
+                    <m:r>
+                      <a:rPr lang="en-US" sz="2000" i="1" baseline="-25000">
+                        <a:latin typeface="Cambria Math" panose="02040503050406030204" pitchFamily="18" charset="0"/>
+                        <a:cs typeface="Arial" panose="020B0604020202020204" pitchFamily="34" charset="0"/>
+                      </a:rPr>
+                      <m:t>𝑣</m:t>
+                    </m:r>
+                    <m:r>
+                      <a:rPr lang="en-US" sz="2000" b="0" i="1" baseline="-25000" smtClean="0">
+                        <a:latin typeface="Cambria Math" panose="02040503050406030204" pitchFamily="18" charset="0"/>
+                        <a:cs typeface="Arial" panose="020B0604020202020204" pitchFamily="34" charset="0"/>
+                      </a:rPr>
+                      <m:t> </m:t>
+                    </m:r>
+                    <m:r>
+                      <a:rPr lang="en-US" sz="2000" i="1">
+                        <a:latin typeface="Cambria Math" panose="02040503050406030204" pitchFamily="18" charset="0"/>
+                      </a:rPr>
+                      <m:t>𝑎𝑛𝑑</m:t>
+                    </m:r>
+                    <m:r>
+                      <a:rPr lang="en-US" sz="2000" b="0" i="1" smtClean="0">
+                        <a:latin typeface="Cambria Math" panose="02040503050406030204" pitchFamily="18" charset="0"/>
+                      </a:rPr>
+                      <m:t> </m:t>
+                    </m:r>
+                    <m:r>
+                      <a:rPr lang="en-US" sz="2000" i="1">
+                        <a:latin typeface="Cambria Math" panose="02040503050406030204" pitchFamily="18" charset="0"/>
+                      </a:rPr>
+                      <m:t>𝑟</m:t>
+                    </m:r>
+                    <m:r>
+                      <a:rPr lang="en-US" sz="2000" i="1">
+                        <a:latin typeface="Cambria Math" panose="02040503050406030204" pitchFamily="18" charset="0"/>
+                      </a:rPr>
+                      <m:t>=</m:t>
+                    </m:r>
+                    <m:sSup>
+                      <m:sSupPr>
+                        <m:ctrlPr>
+                          <a:rPr lang="en-US" sz="2000" i="1">
+                            <a:latin typeface="Cambria Math" panose="02040503050406030204" pitchFamily="18" charset="0"/>
+                          </a:rPr>
+                        </m:ctrlPr>
+                      </m:sSupPr>
+                      <m:e>
+                        <m:r>
+                          <a:rPr lang="en-US" sz="2000" i="1">
+                            <a:latin typeface="Cambria Math" panose="02040503050406030204" pitchFamily="18" charset="0"/>
+                          </a:rPr>
+                          <m:t>2</m:t>
+                        </m:r>
+                      </m:e>
+                      <m:sup>
+                        <m:r>
+                          <a:rPr lang="en-US" sz="2000" i="1">
+                            <a:latin typeface="Cambria Math" panose="02040503050406030204" pitchFamily="18" charset="0"/>
+                          </a:rPr>
+                          <m:t>𝑙</m:t>
+                        </m:r>
+                        <m:d>
+                          <m:dPr>
+                            <m:ctrlPr>
+                              <a:rPr lang="en-US" sz="2000" i="1">
+                                <a:latin typeface="Cambria Math" panose="02040503050406030204" pitchFamily="18" charset="0"/>
+                              </a:rPr>
+                            </m:ctrlPr>
+                          </m:dPr>
+                          <m:e>
+                            <m:r>
+                              <a:rPr lang="en-US" sz="2000" i="1">
+                                <a:latin typeface="Cambria Math" panose="02040503050406030204" pitchFamily="18" charset="0"/>
+                              </a:rPr>
+                              <m:t>𝑣</m:t>
+                            </m:r>
+                          </m:e>
+                        </m:d>
+                      </m:sup>
+                    </m:sSup>
+                  </m:oMath>
+                </a14:m>
+                <a:r>
+                  <a:rPr lang="en-US" sz="2000" b="0" dirty="0"/>
+                  <a:t> (i.e., </a:t>
+                </a:r>
+                <a14:m>
+                  <m:oMath xmlns:m="http://schemas.openxmlformats.org/officeDocument/2006/math">
+                    <m:r>
+                      <a:rPr lang="en-US" sz="2000" b="0" i="1" smtClean="0">
+                        <a:latin typeface="Cambria Math" panose="02040503050406030204" pitchFamily="18" charset="0"/>
+                      </a:rPr>
+                      <m:t>𝑟</m:t>
+                    </m:r>
+                  </m:oMath>
+                </a14:m>
+                <a:r>
+                  <a:rPr lang="en-US" sz="2000" b="0" dirty="0"/>
+                  <a:t> is the side length of the squares correspond to all the nodes at level </a:t>
+                </a:r>
+                <a14:m>
+                  <m:oMath xmlns:m="http://schemas.openxmlformats.org/officeDocument/2006/math">
+                    <m:r>
+                      <a:rPr lang="en-US" sz="2000" i="1">
+                        <a:latin typeface="Cambria Math" panose="02040503050406030204" pitchFamily="18" charset="0"/>
+                      </a:rPr>
+                      <m:t>𝑙</m:t>
+                    </m:r>
+                    <m:d>
+                      <m:dPr>
+                        <m:ctrlPr>
+                          <a:rPr lang="en-US" sz="2000" i="1">
+                            <a:latin typeface="Cambria Math" panose="02040503050406030204" pitchFamily="18" charset="0"/>
+                          </a:rPr>
+                        </m:ctrlPr>
+                      </m:dPr>
+                      <m:e>
+                        <m:r>
+                          <a:rPr lang="en-US" sz="2000" i="1">
+                            <a:latin typeface="Cambria Math" panose="02040503050406030204" pitchFamily="18" charset="0"/>
+                          </a:rPr>
+                          <m:t>𝑣</m:t>
+                        </m:r>
+                      </m:e>
+                    </m:d>
+                  </m:oMath>
+                </a14:m>
+                <a:r>
+                  <a:rPr lang="en-US" sz="2000" b="0" dirty="0"/>
+                  <a:t>.</a:t>
+                </a:r>
+              </a:p>
+              <a:p>
+                <a:pPr marL="0" indent="0">
+                  <a:buNone/>
+                </a:pPr>
+                <a:r>
+                  <a:rPr lang="en-US" sz="2000" dirty="0"/>
+                  <a:t>Notice that </a:t>
+                </a:r>
+                <a14:m>
+                  <m:oMath xmlns:m="http://schemas.openxmlformats.org/officeDocument/2006/math">
+                    <m:r>
+                      <a:rPr lang="en-US" sz="2000" i="1">
+                        <a:latin typeface="Cambria Math" panose="02040503050406030204" pitchFamily="18" charset="0"/>
+                      </a:rPr>
+                      <m:t>𝑙</m:t>
+                    </m:r>
+                    <m:d>
+                      <m:dPr>
+                        <m:ctrlPr>
+                          <a:rPr lang="en-US" sz="2000" i="1">
+                            <a:latin typeface="Cambria Math" panose="02040503050406030204" pitchFamily="18" charset="0"/>
+                          </a:rPr>
+                        </m:ctrlPr>
+                      </m:dPr>
+                      <m:e>
+                        <m:r>
+                          <a:rPr lang="en-US" sz="2000" i="1">
+                            <a:latin typeface="Cambria Math" panose="02040503050406030204" pitchFamily="18" charset="0"/>
+                          </a:rPr>
+                          <m:t>𝑣</m:t>
+                        </m:r>
+                      </m:e>
+                    </m:d>
+                  </m:oMath>
+                </a14:m>
+                <a:r>
+                  <a:rPr lang="en-US" sz="2000" b="0" dirty="0"/>
+                  <a:t> represents the depth, </a:t>
+                </a:r>
+                <a14:m>
+                  <m:oMath xmlns:m="http://schemas.openxmlformats.org/officeDocument/2006/math">
+                    <m:d>
+                      <m:dPr>
+                        <m:begChr m:val="⌊"/>
+                        <m:endChr m:val="⌋"/>
+                        <m:ctrlPr>
+                          <a:rPr lang="en-US" sz="2000" i="1">
+                            <a:latin typeface="Cambria Math" panose="02040503050406030204" pitchFamily="18" charset="0"/>
+                          </a:rPr>
+                        </m:ctrlPr>
+                      </m:dPr>
+                      <m:e>
+                        <m:r>
+                          <a:rPr lang="en-US" sz="2000" i="1">
+                            <a:latin typeface="Cambria Math" panose="02040503050406030204" pitchFamily="18" charset="0"/>
+                          </a:rPr>
+                          <m:t>𝑥</m:t>
+                        </m:r>
+                        <m:r>
+                          <m:rPr>
+                            <m:lit/>
+                          </m:rPr>
+                          <a:rPr lang="en-US" sz="2000" i="1">
+                            <a:latin typeface="Cambria Math" panose="02040503050406030204" pitchFamily="18" charset="0"/>
+                          </a:rPr>
+                          <m:t>/</m:t>
+                        </m:r>
+                        <m:r>
+                          <a:rPr lang="en-US" sz="2000" i="1">
+                            <a:latin typeface="Cambria Math" panose="02040503050406030204" pitchFamily="18" charset="0"/>
+                          </a:rPr>
+                          <m:t>𝑟</m:t>
+                        </m:r>
+                      </m:e>
+                    </m:d>
+                  </m:oMath>
+                </a14:m>
+                <a:r>
+                  <a:rPr lang="en-US" sz="2000" b="0" dirty="0"/>
+                  <a:t> represents the row, and </a:t>
+                </a:r>
+                <a14:m>
+                  <m:oMath xmlns:m="http://schemas.openxmlformats.org/officeDocument/2006/math">
+                    <m:d>
+                      <m:dPr>
+                        <m:begChr m:val="⌊"/>
+                        <m:endChr m:val="⌋"/>
+                        <m:ctrlPr>
+                          <a:rPr lang="en-US" sz="2000" i="1">
+                            <a:latin typeface="Cambria Math" panose="02040503050406030204" pitchFamily="18" charset="0"/>
+                          </a:rPr>
+                        </m:ctrlPr>
+                      </m:dPr>
+                      <m:e>
+                        <m:r>
+                          <a:rPr lang="en-US" sz="2000">
+                            <a:latin typeface="Cambria Math" panose="02040503050406030204" pitchFamily="18" charset="0"/>
+                          </a:rPr>
+                          <m:t>𝑦</m:t>
+                        </m:r>
+                        <m:r>
+                          <m:rPr>
+                            <m:lit/>
+                          </m:rPr>
+                          <a:rPr lang="en-US" sz="2000">
+                            <a:latin typeface="Cambria Math" panose="02040503050406030204" pitchFamily="18" charset="0"/>
+                          </a:rPr>
+                          <m:t>/</m:t>
+                        </m:r>
+                        <m:r>
+                          <a:rPr lang="en-US" sz="2000">
+                            <a:latin typeface="Cambria Math" panose="02040503050406030204" pitchFamily="18" charset="0"/>
+                          </a:rPr>
+                          <m:t>𝑟</m:t>
+                        </m:r>
+                      </m:e>
+                    </m:d>
+                  </m:oMath>
+                </a14:m>
+                <a:r>
+                  <a:rPr lang="en-US" sz="2000" b="0" dirty="0"/>
+                  <a:t> represents the column.</a:t>
+                </a:r>
+              </a:p>
+              <a:p>
+                <a:pPr marL="0" indent="0">
+                  <a:buNone/>
+                </a:pPr>
+                <a:endParaRPr lang="en-US" sz="2000" b="0" dirty="0"/>
+              </a:p>
+              <a:p>
+                <a:pPr marL="0" indent="0">
+                  <a:buNone/>
+                </a:pPr>
+                <a:endParaRPr lang="en-US" sz="2000" b="0" dirty="0"/>
+              </a:p>
+              <a:p>
+                <a:pPr marL="0" indent="0">
+                  <a:buNone/>
+                </a:pPr>
+                <a:endParaRPr lang="en-US" sz="2000" b="0" dirty="0"/>
+              </a:p>
+              <a:p>
+                <a:pPr marL="0" indent="0">
+                  <a:buNone/>
+                </a:pPr>
+                <a:endParaRPr lang="en-US" sz="2000" b="0" dirty="0"/>
+              </a:p>
+              <a:p>
+                <a:pPr marL="0" indent="0">
+                  <a:buNone/>
+                </a:pPr>
+                <a:endParaRPr lang="en-US" sz="2000" b="0" dirty="0"/>
+              </a:p>
+              <a:p>
+                <a:pPr marL="0" indent="0">
+                  <a:buNone/>
+                </a:pPr>
+                <a:endParaRPr lang="en-US" sz="2000" b="0" dirty="0"/>
+              </a:p>
+              <a:p>
+                <a:pPr marL="0" indent="0">
+                  <a:buNone/>
+                </a:pPr>
+                <a:endParaRPr lang="en-US" sz="2000" b="0" dirty="0"/>
+              </a:p>
+              <a:p>
+                <a:pPr marL="0" indent="0">
+                  <a:buNone/>
+                </a:pPr>
+                <a:endParaRPr lang="en-US" sz="2000" baseline="-25000" dirty="0">
+                  <a:latin typeface="Arial" panose="020B0604020202020204" pitchFamily="34" charset="0"/>
+                  <a:cs typeface="Arial" panose="020B0604020202020204" pitchFamily="34" charset="0"/>
+                </a:endParaRPr>
+              </a:p>
+              <a:p>
+                <a:pPr marL="0" indent="0">
+                  <a:buNone/>
+                </a:pPr>
+                <a:endParaRPr lang="en-US" sz="2000" dirty="0"/>
+              </a:p>
             </p:txBody>
           </p:sp>
         </mc:Choice>
-        <mc:Fallback>
+        <mc:Fallback xmlns="">
           <p:sp>
             <p:nvSpPr>
               <p:cNvPr id="3" name="Content Placeholder 2">
@@ -5674,11 +7423,14 @@
                 <a:ext cx="10515600" cy="5865236"/>
               </a:xfrm>
               <a:blipFill>
-                <a:blip r:embed="rId2"/>
+                <a:blip r:embed="rId3"/>
                 <a:stretch>
-                  <a:fillRect l="-638" t="-936"/>
+                  <a:fillRect l="-638" t="-936" r="-290"/>
                 </a:stretch>
               </a:blipFill>
+              <a:ln>
+                <a:noFill/>
+              </a:ln>
             </p:spPr>
             <p:txBody>
               <a:bodyPr/>
@@ -5699,6 +7451,260 @@
     <p:extLst>
       <p:ext uri="{BB962C8B-B14F-4D97-AF65-F5344CB8AC3E}">
         <p14:creationId xmlns:p14="http://schemas.microsoft.com/office/powerpoint/2010/main" val="4216515308"/>
+      </p:ext>
+    </p:extLst>
+  </p:cSld>
+  <p:clrMapOvr>
+    <a:masterClrMapping/>
+  </p:clrMapOvr>
+  <p:extLst>
+    <p:ext uri="{6950BFC3-D8DA-4A85-94F7-54DA5524770B}">
+      <p188:commentRel xmlns:p188="http://schemas.microsoft.com/office/powerpoint/2018/8/main" r:id="rId2"/>
+    </p:ext>
+  </p:extLst>
+</p:sld>
+</file>
+
+<file path=ppt/slides/slide9.xml><?xml version="1.0" encoding="utf-8"?>
+<p:sld xmlns:a="http://schemas.openxmlformats.org/drawingml/2006/main" xmlns:r="http://schemas.openxmlformats.org/officeDocument/2006/relationships" xmlns:p="http://schemas.openxmlformats.org/presentationml/2006/main">
+  <p:cSld>
+    <p:spTree>
+      <p:nvGrpSpPr>
+        <p:cNvPr id="1" name=""/>
+        <p:cNvGrpSpPr/>
+        <p:nvPr/>
+      </p:nvGrpSpPr>
+      <p:grpSpPr>
+        <a:xfrm>
+          <a:off x="0" y="0"/>
+          <a:ext cx="0" cy="0"/>
+          <a:chOff x="0" y="0"/>
+          <a:chExt cx="0" cy="0"/>
+        </a:xfrm>
+      </p:grpSpPr>
+      <p:pic>
+        <p:nvPicPr>
+          <p:cNvPr id="9" name="Picture 8" descr="A screenshot of a math equation&#10;&#10;AI-generated content may be incorrect.">
+            <a:extLst>
+              <a:ext uri="{FF2B5EF4-FFF2-40B4-BE49-F238E27FC236}">
+                <a16:creationId xmlns:a16="http://schemas.microsoft.com/office/drawing/2014/main" id="{0D2F8A3B-533A-FE5A-F06F-E9B8897A2DDD}"/>
+              </a:ext>
+            </a:extLst>
+          </p:cNvPr>
+          <p:cNvPicPr>
+            <a:picLocks noChangeAspect="1"/>
+          </p:cNvPicPr>
+          <p:nvPr/>
+        </p:nvPicPr>
+        <p:blipFill>
+          <a:blip r:embed="rId2">
+            <a:extLst>
+              <a:ext uri="{28A0092B-C50C-407E-A947-70E740481C1C}">
+                <a14:useLocalDpi xmlns:a14="http://schemas.microsoft.com/office/drawing/2010/main" val="0"/>
+              </a:ext>
+            </a:extLst>
+          </a:blip>
+          <a:srcRect l="690" t="18346" r="66724" b="14921"/>
+          <a:stretch>
+            <a:fillRect/>
+          </a:stretch>
+        </p:blipFill>
+        <p:spPr>
+          <a:xfrm>
+            <a:off x="38133" y="1808595"/>
+            <a:ext cx="3799475" cy="3819578"/>
+          </a:xfrm>
+          <a:prstGeom prst="rect">
+            <a:avLst/>
+          </a:prstGeom>
+        </p:spPr>
+      </p:pic>
+      <p:pic>
+        <p:nvPicPr>
+          <p:cNvPr id="11" name="Picture 10" descr="A screenshot of a math equation&#10;&#10;AI-generated content may be incorrect.">
+            <a:extLst>
+              <a:ext uri="{FF2B5EF4-FFF2-40B4-BE49-F238E27FC236}">
+                <a16:creationId xmlns:a16="http://schemas.microsoft.com/office/drawing/2014/main" id="{451BB24E-F7B6-1BFF-626A-AE72DF501D8F}"/>
+              </a:ext>
+            </a:extLst>
+          </p:cNvPr>
+          <p:cNvPicPr>
+            <a:picLocks noChangeAspect="1"/>
+          </p:cNvPicPr>
+          <p:nvPr/>
+        </p:nvPicPr>
+        <p:blipFill>
+          <a:blip r:embed="rId2">
+            <a:extLst>
+              <a:ext uri="{28A0092B-C50C-407E-A947-70E740481C1C}">
+                <a14:useLocalDpi xmlns:a14="http://schemas.microsoft.com/office/drawing/2010/main" val="0"/>
+              </a:ext>
+            </a:extLst>
+          </a:blip>
+          <a:srcRect l="66552" t="17994" b="15097"/>
+          <a:stretch>
+            <a:fillRect/>
+          </a:stretch>
+        </p:blipFill>
+        <p:spPr>
+          <a:xfrm>
+            <a:off x="8264114" y="1808543"/>
+            <a:ext cx="3889753" cy="3819579"/>
+          </a:xfrm>
+          <a:prstGeom prst="rect">
+            <a:avLst/>
+          </a:prstGeom>
+        </p:spPr>
+      </p:pic>
+      <p:pic>
+        <p:nvPicPr>
+          <p:cNvPr id="12" name="Picture 11" descr="A screenshot of a math equation&#10;&#10;AI-generated content may be incorrect.">
+            <a:extLst>
+              <a:ext uri="{FF2B5EF4-FFF2-40B4-BE49-F238E27FC236}">
+                <a16:creationId xmlns:a16="http://schemas.microsoft.com/office/drawing/2014/main" id="{70040FEF-784D-B34F-32B1-E1A07B3E2291}"/>
+              </a:ext>
+            </a:extLst>
+          </p:cNvPr>
+          <p:cNvPicPr>
+            <a:picLocks noChangeAspect="1"/>
+          </p:cNvPicPr>
+          <p:nvPr/>
+        </p:nvPicPr>
+        <p:blipFill>
+          <a:blip r:embed="rId2">
+            <a:extLst>
+              <a:ext uri="{28A0092B-C50C-407E-A947-70E740481C1C}">
+                <a14:useLocalDpi xmlns:a14="http://schemas.microsoft.com/office/drawing/2010/main" val="0"/>
+              </a:ext>
+            </a:extLst>
+          </a:blip>
+          <a:srcRect l="33665" t="17907" r="33663" b="15184"/>
+          <a:stretch>
+            <a:fillRect/>
+          </a:stretch>
+        </p:blipFill>
+        <p:spPr>
+          <a:xfrm>
+            <a:off x="4196263" y="1808595"/>
+            <a:ext cx="3799474" cy="3819527"/>
+          </a:xfrm>
+          <a:prstGeom prst="rect">
+            <a:avLst/>
+          </a:prstGeom>
+        </p:spPr>
+      </p:pic>
+      <p:sp>
+        <p:nvSpPr>
+          <p:cNvPr id="14" name="TextBox 13">
+            <a:extLst>
+              <a:ext uri="{FF2B5EF4-FFF2-40B4-BE49-F238E27FC236}">
+                <a16:creationId xmlns:a16="http://schemas.microsoft.com/office/drawing/2014/main" id="{2DF508DE-0926-17B4-74AF-702C1AD33861}"/>
+              </a:ext>
+            </a:extLst>
+          </p:cNvPr>
+          <p:cNvSpPr txBox="1"/>
+          <p:nvPr/>
+        </p:nvSpPr>
+        <p:spPr>
+          <a:xfrm>
+            <a:off x="361318" y="744084"/>
+            <a:ext cx="3153104" cy="369332"/>
+          </a:xfrm>
+          <a:prstGeom prst="rect">
+            <a:avLst/>
+          </a:prstGeom>
+          <a:noFill/>
+        </p:spPr>
+        <p:txBody>
+          <a:bodyPr wrap="square" rtlCol="0">
+            <a:spAutoFit/>
+          </a:bodyPr>
+          <a:lstStyle/>
+          <a:p>
+            <a:r>
+              <a:rPr lang="en-US" dirty="0"/>
+              <a:t>Root – unit square (level 0)</a:t>
+            </a:r>
+            <a:endParaRPr lang="LID4096" dirty="0"/>
+          </a:p>
+        </p:txBody>
+      </p:sp>
+      <p:sp>
+        <p:nvSpPr>
+          <p:cNvPr id="15" name="TextBox 14">
+            <a:extLst>
+              <a:ext uri="{FF2B5EF4-FFF2-40B4-BE49-F238E27FC236}">
+                <a16:creationId xmlns:a16="http://schemas.microsoft.com/office/drawing/2014/main" id="{329A6951-F84B-37C7-E2A5-293A4AE18929}"/>
+              </a:ext>
+            </a:extLst>
+          </p:cNvPr>
+          <p:cNvSpPr txBox="1"/>
+          <p:nvPr/>
+        </p:nvSpPr>
+        <p:spPr>
+          <a:xfrm>
+            <a:off x="4519448" y="744084"/>
+            <a:ext cx="3153104" cy="369332"/>
+          </a:xfrm>
+          <a:prstGeom prst="rect">
+            <a:avLst/>
+          </a:prstGeom>
+          <a:noFill/>
+        </p:spPr>
+        <p:txBody>
+          <a:bodyPr wrap="square" rtlCol="0">
+            <a:spAutoFit/>
+          </a:bodyPr>
+          <a:lstStyle/>
+          <a:p>
+            <a:r>
+              <a:rPr lang="en-US" dirty="0"/>
+              <a:t>Children of the root (level -1)</a:t>
+            </a:r>
+            <a:endParaRPr lang="LID4096" dirty="0"/>
+          </a:p>
+        </p:txBody>
+      </p:sp>
+      <p:sp>
+        <p:nvSpPr>
+          <p:cNvPr id="16" name="TextBox 15">
+            <a:extLst>
+              <a:ext uri="{FF2B5EF4-FFF2-40B4-BE49-F238E27FC236}">
+                <a16:creationId xmlns:a16="http://schemas.microsoft.com/office/drawing/2014/main" id="{DEA77674-7349-6978-ACE3-CE51161ED71B}"/>
+              </a:ext>
+            </a:extLst>
+          </p:cNvPr>
+          <p:cNvSpPr txBox="1"/>
+          <p:nvPr/>
+        </p:nvSpPr>
+        <p:spPr>
+          <a:xfrm>
+            <a:off x="8562109" y="744084"/>
+            <a:ext cx="3591757" cy="369332"/>
+          </a:xfrm>
+          <a:prstGeom prst="rect">
+            <a:avLst/>
+          </a:prstGeom>
+          <a:noFill/>
+        </p:spPr>
+        <p:txBody>
+          <a:bodyPr wrap="square" rtlCol="0">
+            <a:spAutoFit/>
+          </a:bodyPr>
+          <a:lstStyle/>
+          <a:p>
+            <a:r>
+              <a:rPr lang="en-US" dirty="0"/>
+              <a:t>Grandchildren of the root (level -2)</a:t>
+            </a:r>
+            <a:endParaRPr lang="LID4096" dirty="0"/>
+          </a:p>
+        </p:txBody>
+      </p:sp>
+    </p:spTree>
+    <p:extLst>
+      <p:ext uri="{BB962C8B-B14F-4D97-AF65-F5344CB8AC3E}">
+        <p14:creationId xmlns:p14="http://schemas.microsoft.com/office/powerpoint/2010/main" val="1605197995"/>
       </p:ext>
     </p:extLst>
   </p:cSld>
